--- a/03_Analisis_de_Datos/Sprint_08/Unidad_02/Practica_Obligatoria/Titanic.pptx
+++ b/03_Analisis_de_Datos/Sprint_08/Unidad_02/Practica_Obligatoria/Titanic.pptx
@@ -110,6 +110,11 @@
       </a:defRPr>
     </a:lvl9pPr>
   </p:defaultTextStyle>
+  <p:extLst>
+    <p:ext uri="{EFAFB233-063F-42B5-8137-9DF3F51BA10A}">
+      <p15:sldGuideLst xmlns:p15="http://schemas.microsoft.com/office/powerpoint/2012/main"/>
+    </p:ext>
+  </p:extLst>
 </p:presentation>
 </file>
 
@@ -252,7 +257,7 @@
           <a:p>
             <a:fld id="{48A87A34-81AB-432B-8DAE-1953F412C126}" type="datetimeFigureOut">
               <a:rPr lang="en-US" dirty="0"/>
-              <a:t>4/5/2024</a:t>
+              <a:t>4/6/2024</a:t>
             </a:fld>
             <a:endParaRPr lang="en-US" dirty="0"/>
           </a:p>
@@ -458,7 +463,7 @@
           <a:p>
             <a:fld id="{48A87A34-81AB-432B-8DAE-1953F412C126}" type="datetimeFigureOut">
               <a:rPr lang="en-US" dirty="0"/>
-              <a:t>4/5/2024</a:t>
+              <a:t>4/6/2024</a:t>
             </a:fld>
             <a:endParaRPr lang="en-US" dirty="0"/>
           </a:p>
@@ -668,7 +673,7 @@
           <a:p>
             <a:fld id="{48A87A34-81AB-432B-8DAE-1953F412C126}" type="datetimeFigureOut">
               <a:rPr lang="en-US" dirty="0"/>
-              <a:t>4/5/2024</a:t>
+              <a:t>4/6/2024</a:t>
             </a:fld>
             <a:endParaRPr lang="en-US" dirty="0"/>
           </a:p>
@@ -864,7 +869,7 @@
           <a:p>
             <a:fld id="{48A87A34-81AB-432B-8DAE-1953F412C126}" type="datetimeFigureOut">
               <a:rPr lang="en-US" dirty="0"/>
-              <a:t>4/5/2024</a:t>
+              <a:t>4/6/2024</a:t>
             </a:fld>
             <a:endParaRPr lang="en-US" dirty="0"/>
           </a:p>
@@ -1138,7 +1143,7 @@
           <a:p>
             <a:fld id="{48A87A34-81AB-432B-8DAE-1953F412C126}" type="datetimeFigureOut">
               <a:rPr lang="en-US" dirty="0"/>
-              <a:t>4/5/2024</a:t>
+              <a:t>4/6/2024</a:t>
             </a:fld>
             <a:endParaRPr lang="en-US" dirty="0"/>
           </a:p>
@@ -1401,7 +1406,7 @@
           <a:p>
             <a:fld id="{48A87A34-81AB-432B-8DAE-1953F412C126}" type="datetimeFigureOut">
               <a:rPr lang="en-US" dirty="0"/>
-              <a:t>4/5/2024</a:t>
+              <a:t>4/6/2024</a:t>
             </a:fld>
             <a:endParaRPr lang="en-US" dirty="0"/>
           </a:p>
@@ -1812,7 +1817,7 @@
           <a:p>
             <a:fld id="{48A87A34-81AB-432B-8DAE-1953F412C126}" type="datetimeFigureOut">
               <a:rPr lang="en-US" dirty="0"/>
-              <a:t>4/5/2024</a:t>
+              <a:t>4/6/2024</a:t>
             </a:fld>
             <a:endParaRPr lang="en-US" dirty="0"/>
           </a:p>
@@ -1956,7 +1961,7 @@
           <a:p>
             <a:fld id="{48A87A34-81AB-432B-8DAE-1953F412C126}" type="datetimeFigureOut">
               <a:rPr lang="en-US" dirty="0"/>
-              <a:t>4/5/2024</a:t>
+              <a:t>4/6/2024</a:t>
             </a:fld>
             <a:endParaRPr lang="en-US" dirty="0"/>
           </a:p>
@@ -2077,7 +2082,7 @@
           <a:p>
             <a:fld id="{48A87A34-81AB-432B-8DAE-1953F412C126}" type="datetimeFigureOut">
               <a:rPr lang="en-US" dirty="0"/>
-              <a:t>4/5/2024</a:t>
+              <a:t>4/6/2024</a:t>
             </a:fld>
             <a:endParaRPr lang="en-US" dirty="0"/>
           </a:p>
@@ -2323,7 +2328,7 @@
           <a:p>
             <a:fld id="{48A87A34-81AB-432B-8DAE-1953F412C126}" type="datetimeFigureOut">
               <a:rPr lang="en-US" dirty="0"/>
-              <a:t>4/5/2024</a:t>
+              <a:t>4/6/2024</a:t>
             </a:fld>
             <a:endParaRPr lang="en-US" dirty="0"/>
           </a:p>
@@ -2764,7 +2769,7 @@
             <a:fld id="{48A87A34-81AB-432B-8DAE-1953F412C126}" type="datetimeFigureOut">
               <a:rPr lang="en-US" dirty="0"/>
               <a:pPr/>
-              <a:t>4/5/2024</a:t>
+              <a:t>4/6/2024</a:t>
             </a:fld>
             <a:endParaRPr lang="en-US" dirty="0"/>
           </a:p>
@@ -3087,7 +3092,7 @@
             <a:fld id="{48A87A34-81AB-432B-8DAE-1953F412C126}" type="datetimeFigureOut">
               <a:rPr lang="en-US" dirty="0"/>
               <a:pPr/>
-              <a:t>4/5/2024</a:t>
+              <a:t>4/6/2024</a:t>
             </a:fld>
             <a:endParaRPr lang="en-US" dirty="0"/>
           </a:p>
@@ -3631,7 +3636,7 @@
           <a:p>
             <a:r>
               <a:rPr lang="es-ES" dirty="0"/>
-              <a:t>¿Quién se salvo realmente?</a:t>
+              <a:t>El billete mas caro fue el mas barato</a:t>
             </a:r>
           </a:p>
         </p:txBody>
